--- a/presentation/презентация BREAD-network.pptx
+++ b/presentation/презентация BREAD-network.pptx
@@ -21,6 +21,7 @@
     <p:sldId id="269" r:id="rId15"/>
     <p:sldId id="270" r:id="rId16"/>
     <p:sldId id="271" r:id="rId17"/>
+    <p:sldId id="272" r:id="rId18"/>
   </p:sldIdLst>
   <p:sldSz cx="9144000" cy="6858000" type="screen4x3"/>
   <p:notesSz cx="6858000" cy="9144000"/>
@@ -329,7 +330,7 @@
           <a:p>
             <a:fld id="{DE068CA3-3071-4BC8-AFFB-E6B973D363D2}" type="datetimeFigureOut">
               <a:rPr lang="ru-RU" smtClean="0"/>
-              <a:t>23.04.2023</a:t>
+              <a:t>29.04.2023</a:t>
             </a:fld>
             <a:endParaRPr lang="ru-RU"/>
           </a:p>
@@ -523,7 +524,7 @@
           <a:p>
             <a:fld id="{DE068CA3-3071-4BC8-AFFB-E6B973D363D2}" type="datetimeFigureOut">
               <a:rPr lang="ru-RU" smtClean="0"/>
-              <a:t>23.04.2023</a:t>
+              <a:t>29.04.2023</a:t>
             </a:fld>
             <a:endParaRPr lang="ru-RU"/>
           </a:p>
@@ -711,7 +712,7 @@
           <a:p>
             <a:fld id="{DE068CA3-3071-4BC8-AFFB-E6B973D363D2}" type="datetimeFigureOut">
               <a:rPr lang="ru-RU" smtClean="0"/>
-              <a:t>23.04.2023</a:t>
+              <a:t>29.04.2023</a:t>
             </a:fld>
             <a:endParaRPr lang="ru-RU"/>
           </a:p>
@@ -940,7 +941,7 @@
           <a:p>
             <a:fld id="{DE068CA3-3071-4BC8-AFFB-E6B973D363D2}" type="datetimeFigureOut">
               <a:rPr lang="ru-RU" smtClean="0"/>
-              <a:t>23.04.2023</a:t>
+              <a:t>29.04.2023</a:t>
             </a:fld>
             <a:endParaRPr lang="ru-RU"/>
           </a:p>
@@ -1221,7 +1222,7 @@
           <a:p>
             <a:fld id="{DE068CA3-3071-4BC8-AFFB-E6B973D363D2}" type="datetimeFigureOut">
               <a:rPr lang="ru-RU" smtClean="0"/>
-              <a:t>23.04.2023</a:t>
+              <a:t>29.04.2023</a:t>
             </a:fld>
             <a:endParaRPr lang="ru-RU"/>
           </a:p>
@@ -1509,7 +1510,7 @@
           <a:p>
             <a:fld id="{DE068CA3-3071-4BC8-AFFB-E6B973D363D2}" type="datetimeFigureOut">
               <a:rPr lang="ru-RU" smtClean="0"/>
-              <a:t>23.04.2023</a:t>
+              <a:t>29.04.2023</a:t>
             </a:fld>
             <a:endParaRPr lang="ru-RU"/>
           </a:p>
@@ -2063,7 +2064,7 @@
           <a:p>
             <a:fld id="{DE068CA3-3071-4BC8-AFFB-E6B973D363D2}" type="datetimeFigureOut">
               <a:rPr lang="ru-RU" smtClean="0"/>
-              <a:t>23.04.2023</a:t>
+              <a:t>29.04.2023</a:t>
             </a:fld>
             <a:endParaRPr lang="ru-RU"/>
           </a:p>
@@ -2194,7 +2195,7 @@
           <a:p>
             <a:fld id="{DE068CA3-3071-4BC8-AFFB-E6B973D363D2}" type="datetimeFigureOut">
               <a:rPr lang="ru-RU" smtClean="0"/>
-              <a:t>23.04.2023</a:t>
+              <a:t>29.04.2023</a:t>
             </a:fld>
             <a:endParaRPr lang="ru-RU"/>
           </a:p>
@@ -2344,7 +2345,7 @@
           <a:p>
             <a:fld id="{DE068CA3-3071-4BC8-AFFB-E6B973D363D2}" type="datetimeFigureOut">
               <a:rPr lang="ru-RU" smtClean="0"/>
-              <a:t>23.04.2023</a:t>
+              <a:t>29.04.2023</a:t>
             </a:fld>
             <a:endParaRPr lang="ru-RU"/>
           </a:p>
@@ -2665,7 +2666,7 @@
           <a:p>
             <a:fld id="{DE068CA3-3071-4BC8-AFFB-E6B973D363D2}" type="datetimeFigureOut">
               <a:rPr lang="ru-RU" smtClean="0"/>
-              <a:t>23.04.2023</a:t>
+              <a:t>29.04.2023</a:t>
             </a:fld>
             <a:endParaRPr lang="ru-RU"/>
           </a:p>
@@ -2962,7 +2963,7 @@
           <a:p>
             <a:fld id="{DE068CA3-3071-4BC8-AFFB-E6B973D363D2}" type="datetimeFigureOut">
               <a:rPr lang="ru-RU" smtClean="0"/>
-              <a:t>23.04.2023</a:t>
+              <a:t>29.04.2023</a:t>
             </a:fld>
             <a:endParaRPr lang="ru-RU"/>
           </a:p>
@@ -3207,7 +3208,7 @@
           <a:p>
             <a:fld id="{DE068CA3-3071-4BC8-AFFB-E6B973D363D2}" type="datetimeFigureOut">
               <a:rPr lang="ru-RU" smtClean="0"/>
-              <a:t>23.04.2023</a:t>
+              <a:t>29.04.2023</a:t>
             </a:fld>
             <a:endParaRPr lang="ru-RU"/>
           </a:p>
@@ -5260,6 +5261,95 @@
 </p:sld>
 </file>
 
+<file path=ppt/slides/slide17.xml><?xml version="1.0" encoding="utf-8"?>
+<p:sld xmlns:a="http://schemas.openxmlformats.org/drawingml/2006/main" xmlns:r="http://schemas.openxmlformats.org/officeDocument/2006/relationships" xmlns:p="http://schemas.openxmlformats.org/presentationml/2006/main">
+  <p:cSld>
+    <p:spTree>
+      <p:nvGrpSpPr>
+        <p:cNvPr id="1" name=""/>
+        <p:cNvGrpSpPr/>
+        <p:nvPr/>
+      </p:nvGrpSpPr>
+      <p:grpSpPr>
+        <a:xfrm>
+          <a:off x="0" y="0"/>
+          <a:ext cx="0" cy="0"/>
+          <a:chOff x="0" y="0"/>
+          <a:chExt cx="0" cy="0"/>
+        </a:xfrm>
+      </p:grpSpPr>
+      <p:sp>
+        <p:nvSpPr>
+          <p:cNvPr id="2" name="Заголовок 1"/>
+          <p:cNvSpPr>
+            <a:spLocks noGrp="1"/>
+          </p:cNvSpPr>
+          <p:nvPr>
+            <p:ph type="title"/>
+          </p:nvPr>
+        </p:nvSpPr>
+        <p:spPr/>
+        <p:txBody>
+          <a:bodyPr/>
+          <a:lstStyle/>
+          <a:p>
+            <a:r>
+              <a:rPr lang="ru-RU" smtClean="0"/>
+              <a:t>Проект</a:t>
+            </a:r>
+            <a:endParaRPr lang="ru-RU" dirty="0"/>
+          </a:p>
+        </p:txBody>
+      </p:sp>
+      <p:sp>
+        <p:nvSpPr>
+          <p:cNvPr id="3" name="Объект 2"/>
+          <p:cNvSpPr>
+            <a:spLocks noGrp="1"/>
+          </p:cNvSpPr>
+          <p:nvPr>
+            <p:ph idx="1"/>
+          </p:nvPr>
+        </p:nvSpPr>
+        <p:spPr/>
+        <p:txBody>
+          <a:bodyPr/>
+          <a:lstStyle/>
+          <a:p>
+            <a:r>
+              <a:rPr lang="ru-RU" dirty="0"/>
+              <a:t>Проект в архиве формата </a:t>
+            </a:r>
+            <a:r>
+              <a:rPr lang="ru-RU" dirty="0" err="1"/>
+              <a:t>rar</a:t>
+            </a:r>
+            <a:r>
+              <a:rPr lang="ru-RU" dirty="0"/>
+              <a:t>:</a:t>
+            </a:r>
+          </a:p>
+          <a:p>
+            <a:r>
+              <a:rPr lang="ru-RU" dirty="0"/>
+              <a:t>https://disk.yandex.ru/d/6pgTNuYJ9IN3qw</a:t>
+            </a:r>
+          </a:p>
+        </p:txBody>
+      </p:sp>
+    </p:spTree>
+    <p:extLst>
+      <p:ext uri="{BB962C8B-B14F-4D97-AF65-F5344CB8AC3E}">
+        <p14:creationId xmlns:p14="http://schemas.microsoft.com/office/powerpoint/2010/main" val="398623108"/>
+      </p:ext>
+    </p:extLst>
+  </p:cSld>
+  <p:clrMapOvr>
+    <a:masterClrMapping/>
+  </p:clrMapOvr>
+</p:sld>
+</file>
+
 <file path=ppt/slides/slide2.xml><?xml version="1.0" encoding="utf-8"?>
 <p:sld xmlns:a="http://schemas.openxmlformats.org/drawingml/2006/main" xmlns:r="http://schemas.openxmlformats.org/officeDocument/2006/relationships" xmlns:p="http://schemas.openxmlformats.org/presentationml/2006/main">
   <p:cSld>
